--- a/FINAL VIVA VOCE PPT.pptx
+++ b/FINAL VIVA VOCE PPT.pptx
@@ -9048,9 +9048,6 @@
           </a:p>
           <a:p>
             <a:pPr marL="342900" indent="-190500" algn="just">
-              <a:lnSpc>
-                <a:spcPct val="200000"/>
-              </a:lnSpc>
               <a:spcBef>
                 <a:spcPts val="0"/>
               </a:spcBef>
@@ -9064,10 +9061,7 @@
             </a:endParaRPr>
           </a:p>
           <a:p>
-            <a:pPr marL="342900" indent="-190500" algn="just">
-              <a:lnSpc>
-                <a:spcPct val="200000"/>
-              </a:lnSpc>
+            <a:pPr marL="342900" indent="-190500">
               <a:spcBef>
                 <a:spcPts val="0"/>
               </a:spcBef>
@@ -9075,447 +9069,28 @@
               <a:buFont typeface="Arial" panose="020B0604020202020204"/>
               <a:buNone/>
             </a:pPr>
-            <a:endParaRPr lang="en-US" dirty="0">
-              <a:latin typeface="Cambria" panose="02040503050406030204" pitchFamily="18" charset="0"/>
-              <a:ea typeface="Cambria" panose="02040503050406030204" pitchFamily="18" charset="0"/>
-            </a:endParaRPr>
-          </a:p>
-          <a:p>
-            <a:pPr marL="342900" indent="-190500" algn="just">
-              <a:lnSpc>
-                <a:spcPct val="200000"/>
-              </a:lnSpc>
-              <a:spcBef>
-                <a:spcPts val="0"/>
-              </a:spcBef>
-              <a:buSzPct val="100000"/>
-              <a:buFont typeface="Arial" panose="020B0604020202020204"/>
-              <a:buNone/>
-            </a:pPr>
-            <a:endParaRPr lang="en-US" dirty="0">
-              <a:latin typeface="Cambria" panose="02040503050406030204" pitchFamily="18" charset="0"/>
-              <a:ea typeface="Cambria" panose="02040503050406030204" pitchFamily="18" charset="0"/>
-            </a:endParaRPr>
-          </a:p>
-        </p:txBody>
-      </p:sp>
-      <p:sp>
-        <p:nvSpPr>
-          <p:cNvPr id="5" name="Google Shape;115;p17"/>
-          <p:cNvSpPr txBox="1"/>
-          <p:nvPr/>
-        </p:nvSpPr>
-        <p:spPr>
-          <a:xfrm>
-            <a:off x="812800" y="1143000"/>
-            <a:ext cx="10668000" cy="4178300"/>
-          </a:xfrm>
-          <a:prstGeom prst="rect">
-            <a:avLst/>
-          </a:prstGeom>
-          <a:noFill/>
-          <a:ln>
-            <a:noFill/>
-          </a:ln>
-        </p:spPr>
-        <p:txBody>
-          <a:bodyPr spcFirstLastPara="1" wrap="square" lIns="91425" tIns="45700" rIns="91425" bIns="45700" anchor="t" anchorCtr="0">
-            <a:normAutofit/>
-          </a:bodyPr>
-          <a:lstStyle>
-            <a:defPPr marR="0" lvl="0" algn="l" rtl="0">
-              <a:lnSpc>
-                <a:spcPct val="100000"/>
-              </a:lnSpc>
-              <a:spcBef>
-                <a:spcPts val="0"/>
-              </a:spcBef>
-              <a:spcAft>
-                <a:spcPts val="0"/>
-              </a:spcAft>
-            </a:defPPr>
-            <a:lvl1pPr marL="457200" marR="0" lvl="0" indent="-381000" algn="l" rtl="0">
-              <a:lnSpc>
-                <a:spcPct val="100000"/>
-              </a:lnSpc>
-              <a:spcBef>
-                <a:spcPts val="480"/>
-              </a:spcBef>
-              <a:spcAft>
-                <a:spcPts val="0"/>
-              </a:spcAft>
-              <a:buClr>
-                <a:schemeClr val="dk1"/>
-              </a:buClr>
-              <a:buSzPts val="2400"/>
-              <a:buFont typeface="Arial" panose="020B0604020202020204"/>
-              <a:buChar char="•"/>
-              <a:defRPr sz="2400" b="0" i="0" u="none" strike="noStrike" cap="none">
-                <a:solidFill>
-                  <a:schemeClr val="dk1"/>
-                </a:solidFill>
-                <a:latin typeface="Verdana" panose="020B0604030504040204"/>
-                <a:ea typeface="Verdana" panose="020B0604030504040204"/>
-                <a:cs typeface="Verdana" panose="020B0604030504040204"/>
-                <a:sym typeface="Verdana" panose="020B0604030504040204"/>
-              </a:defRPr>
-            </a:lvl1pPr>
-            <a:lvl2pPr marL="914400" marR="0" lvl="1" indent="-355600" algn="l" rtl="0">
-              <a:lnSpc>
-                <a:spcPct val="100000"/>
-              </a:lnSpc>
-              <a:spcBef>
-                <a:spcPts val="400"/>
-              </a:spcBef>
-              <a:spcAft>
-                <a:spcPts val="0"/>
-              </a:spcAft>
-              <a:buClr>
-                <a:schemeClr val="dk1"/>
-              </a:buClr>
-              <a:buSzPts val="2000"/>
-              <a:buFont typeface="Arial" panose="020B0604020202020204"/>
-              <a:buChar char="–"/>
-              <a:defRPr sz="2000" b="0" i="0" u="none" strike="noStrike" cap="none">
-                <a:solidFill>
-                  <a:schemeClr val="dk1"/>
-                </a:solidFill>
-                <a:latin typeface="Verdana" panose="020B0604030504040204"/>
-                <a:ea typeface="Verdana" panose="020B0604030504040204"/>
-                <a:cs typeface="Verdana" panose="020B0604030504040204"/>
-                <a:sym typeface="Verdana" panose="020B0604030504040204"/>
-              </a:defRPr>
-            </a:lvl2pPr>
-            <a:lvl3pPr marL="1371600" marR="0" lvl="2" indent="-342900" algn="l" rtl="0">
-              <a:lnSpc>
-                <a:spcPct val="100000"/>
-              </a:lnSpc>
-              <a:spcBef>
-                <a:spcPts val="360"/>
-              </a:spcBef>
-              <a:spcAft>
-                <a:spcPts val="0"/>
-              </a:spcAft>
-              <a:buClr>
-                <a:schemeClr val="dk1"/>
-              </a:buClr>
-              <a:buSzPts val="1800"/>
-              <a:buFont typeface="Arial" panose="020B0604020202020204"/>
-              <a:buChar char="•"/>
-              <a:defRPr sz="1800" b="0" i="0" u="none" strike="noStrike" cap="none">
-                <a:solidFill>
-                  <a:schemeClr val="dk1"/>
-                </a:solidFill>
-                <a:latin typeface="Verdana" panose="020B0604030504040204"/>
-                <a:ea typeface="Verdana" panose="020B0604030504040204"/>
-                <a:cs typeface="Verdana" panose="020B0604030504040204"/>
-                <a:sym typeface="Verdana" panose="020B0604030504040204"/>
-              </a:defRPr>
-            </a:lvl3pPr>
-            <a:lvl4pPr marL="1828800" marR="0" lvl="3" indent="-330200" algn="l" rtl="0">
-              <a:lnSpc>
-                <a:spcPct val="100000"/>
-              </a:lnSpc>
-              <a:spcBef>
-                <a:spcPts val="320"/>
-              </a:spcBef>
-              <a:spcAft>
-                <a:spcPts val="0"/>
-              </a:spcAft>
-              <a:buClr>
-                <a:schemeClr val="dk1"/>
-              </a:buClr>
-              <a:buSzPts val="1600"/>
-              <a:buFont typeface="Arial" panose="020B0604020202020204"/>
-              <a:buChar char="–"/>
-              <a:defRPr sz="1600" b="0" i="0" u="none" strike="noStrike" cap="none">
-                <a:solidFill>
-                  <a:schemeClr val="dk1"/>
-                </a:solidFill>
-                <a:latin typeface="Verdana" panose="020B0604030504040204"/>
-                <a:ea typeface="Verdana" panose="020B0604030504040204"/>
-                <a:cs typeface="Verdana" panose="020B0604030504040204"/>
-                <a:sym typeface="Verdana" panose="020B0604030504040204"/>
-              </a:defRPr>
-            </a:lvl4pPr>
-            <a:lvl5pPr marL="2286000" marR="0" lvl="4" indent="-330200" algn="l" rtl="0">
-              <a:lnSpc>
-                <a:spcPct val="100000"/>
-              </a:lnSpc>
-              <a:spcBef>
-                <a:spcPts val="320"/>
-              </a:spcBef>
-              <a:spcAft>
-                <a:spcPts val="0"/>
-              </a:spcAft>
-              <a:buClr>
-                <a:schemeClr val="dk1"/>
-              </a:buClr>
-              <a:buSzPts val="1600"/>
-              <a:buFont typeface="Arial" panose="020B0604020202020204"/>
-              <a:buChar char="»"/>
-              <a:defRPr sz="1600" b="0" i="0" u="none" strike="noStrike" cap="none">
-                <a:solidFill>
-                  <a:schemeClr val="dk1"/>
-                </a:solidFill>
-                <a:latin typeface="Verdana" panose="020B0604030504040204"/>
-                <a:ea typeface="Verdana" panose="020B0604030504040204"/>
-                <a:cs typeface="Verdana" panose="020B0604030504040204"/>
-                <a:sym typeface="Verdana" panose="020B0604030504040204"/>
-              </a:defRPr>
-            </a:lvl5pPr>
-            <a:lvl6pPr marL="2743200" marR="0" lvl="5" indent="-342900" algn="l" rtl="0">
-              <a:lnSpc>
-                <a:spcPct val="100000"/>
-              </a:lnSpc>
-              <a:spcBef>
-                <a:spcPts val="360"/>
-              </a:spcBef>
-              <a:spcAft>
-                <a:spcPts val="0"/>
-              </a:spcAft>
-              <a:buClr>
-                <a:schemeClr val="dk1"/>
-              </a:buClr>
-              <a:buSzPts val="1800"/>
-              <a:buFont typeface="Arial" panose="020B0604020202020204"/>
-              <a:buChar char="•"/>
-              <a:defRPr sz="2000" b="0" i="0" u="none" strike="noStrike" cap="none">
-                <a:solidFill>
-                  <a:schemeClr val="dk1"/>
-                </a:solidFill>
-                <a:latin typeface="Bookman Old Style" panose="02050604050505020204"/>
-                <a:ea typeface="Bookman Old Style" panose="02050604050505020204"/>
-                <a:cs typeface="Bookman Old Style" panose="02050604050505020204"/>
-                <a:sym typeface="Bookman Old Style" panose="02050604050505020204"/>
-              </a:defRPr>
-            </a:lvl6pPr>
-            <a:lvl7pPr marL="3200400" marR="0" lvl="6" indent="-342900" algn="l" rtl="0">
-              <a:lnSpc>
-                <a:spcPct val="100000"/>
-              </a:lnSpc>
-              <a:spcBef>
-                <a:spcPts val="360"/>
-              </a:spcBef>
-              <a:spcAft>
-                <a:spcPts val="0"/>
-              </a:spcAft>
-              <a:buClr>
-                <a:schemeClr val="dk1"/>
-              </a:buClr>
-              <a:buSzPts val="1800"/>
-              <a:buFont typeface="Arial" panose="020B0604020202020204"/>
-              <a:buChar char="•"/>
-              <a:defRPr sz="2000" b="0" i="0" u="none" strike="noStrike" cap="none">
-                <a:solidFill>
-                  <a:schemeClr val="dk1"/>
-                </a:solidFill>
-                <a:latin typeface="Bookman Old Style" panose="02050604050505020204"/>
-                <a:ea typeface="Bookman Old Style" panose="02050604050505020204"/>
-                <a:cs typeface="Bookman Old Style" panose="02050604050505020204"/>
-                <a:sym typeface="Bookman Old Style" panose="02050604050505020204"/>
-              </a:defRPr>
-            </a:lvl7pPr>
-            <a:lvl8pPr marL="3657600" marR="0" lvl="7" indent="-342900" algn="l" rtl="0">
-              <a:lnSpc>
-                <a:spcPct val="100000"/>
-              </a:lnSpc>
-              <a:spcBef>
-                <a:spcPts val="360"/>
-              </a:spcBef>
-              <a:spcAft>
-                <a:spcPts val="0"/>
-              </a:spcAft>
-              <a:buClr>
-                <a:schemeClr val="dk1"/>
-              </a:buClr>
-              <a:buSzPts val="1800"/>
-              <a:buFont typeface="Arial" panose="020B0604020202020204"/>
-              <a:buChar char="•"/>
-              <a:defRPr sz="2000" b="0" i="0" u="none" strike="noStrike" cap="none">
-                <a:solidFill>
-                  <a:schemeClr val="dk1"/>
-                </a:solidFill>
-                <a:latin typeface="Bookman Old Style" panose="02050604050505020204"/>
-                <a:ea typeface="Bookman Old Style" panose="02050604050505020204"/>
-                <a:cs typeface="Bookman Old Style" panose="02050604050505020204"/>
-                <a:sym typeface="Bookman Old Style" panose="02050604050505020204"/>
-              </a:defRPr>
-            </a:lvl8pPr>
-            <a:lvl9pPr marL="4114800" marR="0" lvl="8" indent="-342900" algn="l" rtl="0">
-              <a:lnSpc>
-                <a:spcPct val="100000"/>
-              </a:lnSpc>
-              <a:spcBef>
-                <a:spcPts val="360"/>
-              </a:spcBef>
-              <a:spcAft>
-                <a:spcPts val="0"/>
-              </a:spcAft>
-              <a:buClr>
-                <a:schemeClr val="dk1"/>
-              </a:buClr>
-              <a:buSzPts val="1800"/>
-              <a:buFont typeface="Arial" panose="020B0604020202020204"/>
-              <a:buChar char="•"/>
-              <a:defRPr sz="2000" b="0" i="0" u="none" strike="noStrike" cap="none">
-                <a:solidFill>
-                  <a:schemeClr val="dk1"/>
-                </a:solidFill>
-                <a:latin typeface="Bookman Old Style" panose="02050604050505020204"/>
-                <a:ea typeface="Bookman Old Style" panose="02050604050505020204"/>
-                <a:cs typeface="Bookman Old Style" panose="02050604050505020204"/>
-                <a:sym typeface="Bookman Old Style" panose="02050604050505020204"/>
-              </a:defRPr>
-            </a:lvl9pPr>
-          </a:lstStyle>
-          <a:p>
-            <a:pPr marL="342900" indent="-190500" algn="just">
-              <a:spcBef>
-                <a:spcPts val="0"/>
-              </a:spcBef>
-              <a:buSzPct val="100000"/>
-              <a:buFont typeface="Arial" panose="020B0604020202020204"/>
-              <a:buNone/>
-            </a:pPr>
-            <a:endParaRPr lang="en-US" dirty="0">
-              <a:latin typeface="Cambria" panose="02040503050406030204" pitchFamily="18" charset="0"/>
-              <a:ea typeface="Cambria" panose="02040503050406030204" pitchFamily="18" charset="0"/>
-            </a:endParaRPr>
-          </a:p>
-          <a:p>
-            <a:pPr marL="342900" indent="-190500" algn="just">
-              <a:spcBef>
-                <a:spcPts val="0"/>
-              </a:spcBef>
-              <a:buSzPct val="100000"/>
-              <a:buFont typeface="Arial" panose="020B0604020202020204"/>
-              <a:buNone/>
-            </a:pPr>
-            <a:r>
-              <a:rPr lang="en-US" b="1" dirty="0" err="1">
-                <a:solidFill>
-                  <a:schemeClr val="accent2">
-                    <a:lumMod val="75000"/>
-                  </a:schemeClr>
-                </a:solidFill>
+            <a:r>
+              <a:rPr lang="en-US" dirty="0">
                 <a:latin typeface="Cambria" panose="02040503050406030204" pitchFamily="18" charset="0"/>
                 <a:ea typeface="Cambria" panose="02040503050406030204" pitchFamily="18" charset="0"/>
               </a:rPr>
-              <a:t>Github</a:t>
-            </a:r>
-            <a:r>
-              <a:rPr lang="en-US" b="1" dirty="0">
-                <a:solidFill>
-                  <a:schemeClr val="accent2">
-                    <a:lumMod val="75000"/>
-                  </a:schemeClr>
-                </a:solidFill>
-                <a:latin typeface="Cambria" panose="02040503050406030204" pitchFamily="18" charset="0"/>
-                <a:ea typeface="Cambria" panose="02040503050406030204" pitchFamily="18" charset="0"/>
-              </a:rPr>
-              <a:t> Link:</a:t>
-            </a:r>
-          </a:p>
-          <a:p>
-            <a:pPr marL="342900" indent="-190500" algn="just">
-              <a:spcBef>
-                <a:spcPts val="0"/>
-              </a:spcBef>
-              <a:buSzPct val="100000"/>
-              <a:buFont typeface="Arial" panose="020B0604020202020204"/>
-              <a:buNone/>
-            </a:pPr>
-            <a:endParaRPr lang="en-US" dirty="0">
-              <a:latin typeface="Cambria" panose="02040503050406030204" pitchFamily="18" charset="0"/>
-              <a:ea typeface="Cambria" panose="02040503050406030204" pitchFamily="18" charset="0"/>
-            </a:endParaRPr>
-          </a:p>
-          <a:p>
-            <a:pPr marL="342900" indent="-190500" algn="just">
-              <a:spcBef>
-                <a:spcPts val="0"/>
-              </a:spcBef>
-              <a:buSzPct val="100000"/>
-              <a:buFont typeface="Arial" panose="020B0604020202020204"/>
-              <a:buNone/>
-            </a:pPr>
-            <a:endParaRPr lang="en-US" dirty="0">
-              <a:latin typeface="Cambria" panose="02040503050406030204" pitchFamily="18" charset="0"/>
-              <a:ea typeface="Cambria" panose="02040503050406030204" pitchFamily="18" charset="0"/>
-            </a:endParaRPr>
-          </a:p>
-          <a:p>
-            <a:pPr marL="342900" indent="-190500" algn="just">
-              <a:lnSpc>
-                <a:spcPct val="200000"/>
-              </a:lnSpc>
-              <a:spcBef>
-                <a:spcPts val="0"/>
-              </a:spcBef>
-              <a:buSzPct val="100000"/>
-              <a:buFont typeface="Arial" panose="020B0604020202020204"/>
-              <a:buNone/>
-            </a:pPr>
+              <a:t>GitHub Link-</a:t>
+            </a:r>
             <a:r>
               <a:rPr lang="en-US" dirty="0">
                 <a:latin typeface="Cambria" panose="02040503050406030204" pitchFamily="18" charset="0"/>
                 <a:ea typeface="Cambria" panose="02040503050406030204" pitchFamily="18" charset="0"/>
                 <a:hlinkClick r:id="rId3"/>
               </a:rPr>
-              <a:t>https://github.com/Druthi16/Smart-Parking</a:t>
-            </a:r>
-            <a:endParaRPr lang="en-US" dirty="0">
-              <a:latin typeface="Cambria" panose="02040503050406030204" pitchFamily="18" charset="0"/>
-              <a:ea typeface="Cambria" panose="02040503050406030204" pitchFamily="18" charset="0"/>
-            </a:endParaRPr>
-          </a:p>
-          <a:p>
-            <a:pPr marL="342900" indent="-190500" algn="just">
-              <a:lnSpc>
-                <a:spcPct val="200000"/>
-              </a:lnSpc>
-              <a:spcBef>
-                <a:spcPts val="0"/>
-              </a:spcBef>
-              <a:buSzPct val="100000"/>
-              <a:buFont typeface="Arial" panose="020B0604020202020204"/>
-              <a:buNone/>
-            </a:pPr>
-            <a:endParaRPr lang="en-US" dirty="0">
-              <a:latin typeface="Cambria" panose="02040503050406030204" pitchFamily="18" charset="0"/>
-              <a:ea typeface="Cambria" panose="02040503050406030204" pitchFamily="18" charset="0"/>
-            </a:endParaRPr>
-          </a:p>
-          <a:p>
-            <a:pPr marL="342900" indent="-190500" algn="just">
-              <a:lnSpc>
-                <a:spcPct val="200000"/>
-              </a:lnSpc>
-              <a:spcBef>
-                <a:spcPts val="0"/>
-              </a:spcBef>
-              <a:buSzPct val="100000"/>
-              <a:buFont typeface="Arial" panose="020B0604020202020204"/>
-              <a:buNone/>
-            </a:pPr>
-            <a:endParaRPr lang="en-US" dirty="0">
-              <a:latin typeface="Cambria" panose="02040503050406030204" pitchFamily="18" charset="0"/>
-              <a:ea typeface="Cambria" panose="02040503050406030204" pitchFamily="18" charset="0"/>
-            </a:endParaRPr>
-          </a:p>
-          <a:p>
-            <a:pPr marL="342900" indent="-190500" algn="just">
-              <a:lnSpc>
-                <a:spcPct val="200000"/>
-              </a:lnSpc>
-              <a:spcBef>
-                <a:spcPts val="0"/>
-              </a:spcBef>
-              <a:buSzPct val="100000"/>
-              <a:buFont typeface="Arial" panose="020B0604020202020204"/>
-              <a:buNone/>
-            </a:pPr>
+              <a:t>https://github.com/Druthi16/Smart-Online-Parking</a:t>
+            </a:r>
+            <a:br>
+              <a:rPr lang="en-US" dirty="0">
+                <a:latin typeface="Cambria" panose="02040503050406030204" pitchFamily="18" charset="0"/>
+                <a:ea typeface="Cambria" panose="02040503050406030204" pitchFamily="18" charset="0"/>
+                <a:hlinkClick r:id="rId3"/>
+              </a:rPr>
+            </a:br>
             <a:endParaRPr lang="en-US" dirty="0">
               <a:latin typeface="Cambria" panose="02040503050406030204" pitchFamily="18" charset="0"/>
               <a:ea typeface="Cambria" panose="02040503050406030204" pitchFamily="18" charset="0"/>
